--- a/Documentation/Instructions for installing the project Excell-On (1).pptx
+++ b/Documentation/Instructions for installing the project Excell-On (1).pptx
@@ -11812,6 +11812,116 @@
           </a:p>
         </p:txBody>
       </p:sp>
+      <p:sp>
+        <p:nvSpPr>
+          <p:cNvPr id="5" name="TextBox 4">
+            <a:extLst>
+              <a:ext uri="{FF2B5EF4-FFF2-40B4-BE49-F238E27FC236}">
+                <a16:creationId xmlns:a16="http://schemas.microsoft.com/office/drawing/2014/main" id="{0DF5A7B0-1AD6-4AA0-8F05-64CA9481DD5D}"/>
+              </a:ext>
+            </a:extLst>
+          </p:cNvPr>
+          <p:cNvSpPr txBox="1"/>
+          <p:nvPr/>
+        </p:nvSpPr>
+        <p:spPr>
+          <a:xfrm>
+            <a:off x="1548882" y="3732575"/>
+            <a:ext cx="6496439" cy="1432252"/>
+          </a:xfrm>
+          <a:prstGeom prst="rect">
+            <a:avLst/>
+          </a:prstGeom>
+          <a:noFill/>
+        </p:spPr>
+        <p:txBody>
+          <a:bodyPr wrap="square">
+            <a:spAutoFit/>
+          </a:bodyPr>
+          <a:lstStyle/>
+          <a:p>
+            <a:pPr marL="0" indent="0">
+              <a:buNone/>
+            </a:pPr>
+            <a:r>
+              <a:rPr lang="en-US" sz="2800" b="1" dirty="0" err="1">
+                <a:solidFill>
+                  <a:schemeClr val="tx2"/>
+                </a:solidFill>
+                <a:latin typeface="Times New Roman" panose="02020603050405020304" pitchFamily="18" charset="0"/>
+                <a:cs typeface="Times New Roman" panose="02020603050405020304" pitchFamily="18" charset="0"/>
+              </a:rPr>
+              <a:t>Paypal</a:t>
+            </a:r>
+            <a:r>
+              <a:rPr lang="en-US" sz="2800" b="1" dirty="0">
+                <a:solidFill>
+                  <a:schemeClr val="tx2"/>
+                </a:solidFill>
+                <a:latin typeface="Times New Roman" panose="02020603050405020304" pitchFamily="18" charset="0"/>
+                <a:cs typeface="Times New Roman" panose="02020603050405020304" pitchFamily="18" charset="0"/>
+              </a:rPr>
+              <a:t> Account	      </a:t>
+            </a:r>
+          </a:p>
+          <a:p>
+            <a:pPr>
+              <a:lnSpc>
+                <a:spcPct val="110000"/>
+              </a:lnSpc>
+              <a:spcBef>
+                <a:spcPts val="1000"/>
+              </a:spcBef>
+              <a:buClr>
+                <a:schemeClr val="accent5"/>
+              </a:buClr>
+            </a:pPr>
+            <a:r>
+              <a:rPr lang="en-US" sz="2000" dirty="0" err="1">
+                <a:solidFill>
+                  <a:schemeClr val="tx2"/>
+                </a:solidFill>
+                <a:latin typeface="Times New Roman" panose="02020603050405020304" pitchFamily="18" charset="0"/>
+                <a:cs typeface="Times New Roman" panose="02020603050405020304" pitchFamily="18" charset="0"/>
+              </a:rPr>
+              <a:t>UserName</a:t>
+            </a:r>
+            <a:r>
+              <a:rPr lang="en-US" sz="2000" dirty="0">
+                <a:solidFill>
+                  <a:schemeClr val="tx2"/>
+                </a:solidFill>
+                <a:latin typeface="Times New Roman" panose="02020603050405020304" pitchFamily="18" charset="0"/>
+                <a:cs typeface="Times New Roman" panose="02020603050405020304" pitchFamily="18" charset="0"/>
+              </a:rPr>
+              <a:t>: sb-43znyi7049215@personal.example.com</a:t>
+            </a:r>
+          </a:p>
+          <a:p>
+            <a:pPr>
+              <a:lnSpc>
+                <a:spcPct val="110000"/>
+              </a:lnSpc>
+              <a:spcBef>
+                <a:spcPts val="1000"/>
+              </a:spcBef>
+              <a:buClr>
+                <a:schemeClr val="accent5"/>
+              </a:buClr>
+            </a:pPr>
+            <a:r>
+              <a:rPr lang="en-US" sz="2000" dirty="0">
+                <a:solidFill>
+                  <a:schemeClr val="tx2"/>
+                </a:solidFill>
+                <a:latin typeface="Times New Roman" panose="02020603050405020304" pitchFamily="18" charset="0"/>
+                <a:cs typeface="Times New Roman" panose="02020603050405020304" pitchFamily="18" charset="0"/>
+              </a:rPr>
+              <a:t>Password: huS8+M))</a:t>
+            </a:r>
+          </a:p>
+        </p:txBody>
+      </p:sp>
     </p:spTree>
     <p:extLst>
       <p:ext uri="{BB962C8B-B14F-4D97-AF65-F5344CB8AC3E}">
